--- a/presentation/MobileTesting.pptx
+++ b/presentation/MobileTesting.pptx
@@ -1063,20 +1063,20 @@
             <ac:spMk id="2" creationId="{6E7F6E3A-8FC8-4DED-AB9D-207A49E8DA57}"/>
           </ac:spMkLst>
         </pc:spChg>
+        <pc:spChg chg="add del mod">
+          <ac:chgData name="Tobi Redl" userId="c3595ac0e627d04e" providerId="LiveId" clId="{06071D10-5519-4DE4-88F9-1460942A51E8}" dt="2018-05-24T20:30:52.847" v="8676" actId="478"/>
+          <ac:spMkLst>
+            <pc:docMk/>
+            <pc:sldMk cId="3665058455" sldId="269"/>
+            <ac:spMk id="3" creationId="{BDAAC828-DBCC-4056-B31F-FB7EFA132000}"/>
+          </ac:spMkLst>
+        </pc:spChg>
         <pc:spChg chg="del">
           <ac:chgData name="Tobi Redl" userId="c3595ac0e627d04e" providerId="LiveId" clId="{06071D10-5519-4DE4-88F9-1460942A51E8}" dt="2018-05-24T08:49:03.093" v="4549" actId="20577"/>
           <ac:spMkLst>
             <pc:docMk/>
             <pc:sldMk cId="3665058455" sldId="269"/>
             <ac:spMk id="3" creationId="{79ABF6CD-101A-4B16-8A74-5793F18A63D6}"/>
-          </ac:spMkLst>
-        </pc:spChg>
-        <pc:spChg chg="add del mod">
-          <ac:chgData name="Tobi Redl" userId="c3595ac0e627d04e" providerId="LiveId" clId="{06071D10-5519-4DE4-88F9-1460942A51E8}" dt="2018-05-24T20:30:52.847" v="8676" actId="478"/>
-          <ac:spMkLst>
-            <pc:docMk/>
-            <pc:sldMk cId="3665058455" sldId="269"/>
-            <ac:spMk id="3" creationId="{BDAAC828-DBCC-4056-B31F-FB7EFA132000}"/>
           </ac:spMkLst>
         </pc:spChg>
         <pc:spChg chg="del">
@@ -8618,7 +8618,7 @@
           <a:p>
             <a:fld id="{6364A07A-363B-428F-A3F6-4D8F6BACBB5D}" type="datetimeFigureOut">
               <a:rPr lang="en-US" smtClean="0"/>
-              <a:t>5/25/2018</a:t>
+              <a:t>5/28/2018</a:t>
             </a:fld>
             <a:endParaRPr lang="en-US"/>
           </a:p>
@@ -11691,7 +11691,7 @@
           <a:p>
             <a:fld id="{6A47390F-6A90-4CE8-B67B-5010619FDD8C}" type="datetimeFigureOut">
               <a:rPr lang="de-DE" smtClean="0"/>
-              <a:t>25.05.2018</a:t>
+              <a:t>28.05.2018</a:t>
             </a:fld>
             <a:endParaRPr lang="de-DE"/>
           </a:p>
@@ -11942,7 +11942,7 @@
           <a:p>
             <a:fld id="{6A47390F-6A90-4CE8-B67B-5010619FDD8C}" type="datetimeFigureOut">
               <a:rPr lang="de-DE" smtClean="0"/>
-              <a:t>25.05.2018</a:t>
+              <a:t>28.05.2018</a:t>
             </a:fld>
             <a:endParaRPr lang="de-DE"/>
           </a:p>
@@ -12256,7 +12256,7 @@
           <a:p>
             <a:fld id="{6A47390F-6A90-4CE8-B67B-5010619FDD8C}" type="datetimeFigureOut">
               <a:rPr lang="de-DE" smtClean="0"/>
-              <a:t>25.05.2018</a:t>
+              <a:t>28.05.2018</a:t>
             </a:fld>
             <a:endParaRPr lang="de-DE"/>
           </a:p>
@@ -12589,7 +12589,7 @@
           <a:p>
             <a:fld id="{6A47390F-6A90-4CE8-B67B-5010619FDD8C}" type="datetimeFigureOut">
               <a:rPr lang="de-DE" smtClean="0"/>
-              <a:t>25.05.2018</a:t>
+              <a:t>28.05.2018</a:t>
             </a:fld>
             <a:endParaRPr lang="de-DE"/>
           </a:p>
@@ -12903,7 +12903,7 @@
           <a:p>
             <a:fld id="{6A47390F-6A90-4CE8-B67B-5010619FDD8C}" type="datetimeFigureOut">
               <a:rPr lang="de-DE" smtClean="0"/>
-              <a:t>25.05.2018</a:t>
+              <a:t>28.05.2018</a:t>
             </a:fld>
             <a:endParaRPr lang="de-DE"/>
           </a:p>
@@ -13296,7 +13296,7 @@
           <a:p>
             <a:fld id="{6A47390F-6A90-4CE8-B67B-5010619FDD8C}" type="datetimeFigureOut">
               <a:rPr lang="de-DE" smtClean="0"/>
-              <a:t>25.05.2018</a:t>
+              <a:t>28.05.2018</a:t>
             </a:fld>
             <a:endParaRPr lang="de-DE"/>
           </a:p>
@@ -13466,7 +13466,7 @@
           <a:p>
             <a:fld id="{6A47390F-6A90-4CE8-B67B-5010619FDD8C}" type="datetimeFigureOut">
               <a:rPr lang="de-DE" smtClean="0"/>
-              <a:t>25.05.2018</a:t>
+              <a:t>28.05.2018</a:t>
             </a:fld>
             <a:endParaRPr lang="de-DE"/>
           </a:p>
@@ -13646,7 +13646,7 @@
           <a:p>
             <a:fld id="{6A47390F-6A90-4CE8-B67B-5010619FDD8C}" type="datetimeFigureOut">
               <a:rPr lang="de-DE" smtClean="0"/>
-              <a:t>25.05.2018</a:t>
+              <a:t>28.05.2018</a:t>
             </a:fld>
             <a:endParaRPr lang="de-DE"/>
           </a:p>
@@ -14429,7 +14429,7 @@
           <a:p>
             <a:fld id="{6A47390F-6A90-4CE8-B67B-5010619FDD8C}" type="datetimeFigureOut">
               <a:rPr lang="de-DE" smtClean="0"/>
-              <a:t>25.05.2018</a:t>
+              <a:t>28.05.2018</a:t>
             </a:fld>
             <a:endParaRPr lang="de-DE"/>
           </a:p>
@@ -14605,7 +14605,7 @@
           <a:p>
             <a:fld id="{6A47390F-6A90-4CE8-B67B-5010619FDD8C}" type="datetimeFigureOut">
               <a:rPr lang="de-DE" smtClean="0"/>
-              <a:t>25.05.2018</a:t>
+              <a:t>28.05.2018</a:t>
             </a:fld>
             <a:endParaRPr lang="de-DE"/>
           </a:p>
@@ -14852,7 +14852,7 @@
           <a:p>
             <a:fld id="{6A47390F-6A90-4CE8-B67B-5010619FDD8C}" type="datetimeFigureOut">
               <a:rPr lang="de-DE" smtClean="0"/>
-              <a:t>25.05.2018</a:t>
+              <a:t>28.05.2018</a:t>
             </a:fld>
             <a:endParaRPr lang="de-DE"/>
           </a:p>
@@ -15022,7 +15022,7 @@
           <a:p>
             <a:fld id="{6A47390F-6A90-4CE8-B67B-5010619FDD8C}" type="datetimeFigureOut">
               <a:rPr lang="de-DE" smtClean="0"/>
-              <a:t>25.05.2018</a:t>
+              <a:t>28.05.2018</a:t>
             </a:fld>
             <a:endParaRPr lang="de-DE"/>
           </a:p>
@@ -15254,7 +15254,7 @@
           <a:p>
             <a:fld id="{6A47390F-6A90-4CE8-B67B-5010619FDD8C}" type="datetimeFigureOut">
               <a:rPr lang="de-DE" smtClean="0"/>
-              <a:t>25.05.2018</a:t>
+              <a:t>28.05.2018</a:t>
             </a:fld>
             <a:endParaRPr lang="de-DE"/>
           </a:p>
@@ -15628,7 +15628,7 @@
           <a:p>
             <a:fld id="{6A47390F-6A90-4CE8-B67B-5010619FDD8C}" type="datetimeFigureOut">
               <a:rPr lang="de-DE" smtClean="0"/>
-              <a:t>25.05.2018</a:t>
+              <a:t>28.05.2018</a:t>
             </a:fld>
             <a:endParaRPr lang="de-DE"/>
           </a:p>
@@ -15751,7 +15751,7 @@
           <a:p>
             <a:fld id="{6A47390F-6A90-4CE8-B67B-5010619FDD8C}" type="datetimeFigureOut">
               <a:rPr lang="de-DE" smtClean="0"/>
-              <a:t>25.05.2018</a:t>
+              <a:t>28.05.2018</a:t>
             </a:fld>
             <a:endParaRPr lang="de-DE"/>
           </a:p>
@@ -15846,7 +15846,7 @@
           <a:p>
             <a:fld id="{6A47390F-6A90-4CE8-B67B-5010619FDD8C}" type="datetimeFigureOut">
               <a:rPr lang="de-DE" smtClean="0"/>
-              <a:t>25.05.2018</a:t>
+              <a:t>28.05.2018</a:t>
             </a:fld>
             <a:endParaRPr lang="de-DE"/>
           </a:p>
@@ -16101,7 +16101,7 @@
           <a:p>
             <a:fld id="{6A47390F-6A90-4CE8-B67B-5010619FDD8C}" type="datetimeFigureOut">
               <a:rPr lang="de-DE" smtClean="0"/>
-              <a:t>25.05.2018</a:t>
+              <a:t>28.05.2018</a:t>
             </a:fld>
             <a:endParaRPr lang="de-DE"/>
           </a:p>
@@ -16364,7 +16364,7 @@
           <a:p>
             <a:fld id="{6A47390F-6A90-4CE8-B67B-5010619FDD8C}" type="datetimeFigureOut">
               <a:rPr lang="de-DE" smtClean="0"/>
-              <a:t>25.05.2018</a:t>
+              <a:t>28.05.2018</a:t>
             </a:fld>
             <a:endParaRPr lang="de-DE"/>
           </a:p>
@@ -16615,7 +16615,7 @@
           <a:p>
             <a:fld id="{6A47390F-6A90-4CE8-B67B-5010619FDD8C}" type="datetimeFigureOut">
               <a:rPr lang="de-DE" smtClean="0"/>
-              <a:t>25.05.2018</a:t>
+              <a:t>28.05.2018</a:t>
             </a:fld>
             <a:endParaRPr lang="de-DE"/>
           </a:p>
@@ -16929,7 +16929,7 @@
           <a:p>
             <a:fld id="{6A47390F-6A90-4CE8-B67B-5010619FDD8C}" type="datetimeFigureOut">
               <a:rPr lang="de-DE" smtClean="0"/>
-              <a:t>25.05.2018</a:t>
+              <a:t>28.05.2018</a:t>
             </a:fld>
             <a:endParaRPr lang="de-DE"/>
           </a:p>
@@ -17270,7 +17270,7 @@
           <a:p>
             <a:fld id="{6A47390F-6A90-4CE8-B67B-5010619FDD8C}" type="datetimeFigureOut">
               <a:rPr lang="de-DE" smtClean="0"/>
-              <a:t>25.05.2018</a:t>
+              <a:t>28.05.2018</a:t>
             </a:fld>
             <a:endParaRPr lang="de-DE"/>
           </a:p>
@@ -17584,7 +17584,7 @@
           <a:p>
             <a:fld id="{6A47390F-6A90-4CE8-B67B-5010619FDD8C}" type="datetimeFigureOut">
               <a:rPr lang="de-DE" smtClean="0"/>
-              <a:t>25.05.2018</a:t>
+              <a:t>28.05.2018</a:t>
             </a:fld>
             <a:endParaRPr lang="de-DE"/>
           </a:p>
@@ -17913,7 +17913,7 @@
           <a:p>
             <a:fld id="{6A47390F-6A90-4CE8-B67B-5010619FDD8C}" type="datetimeFigureOut">
               <a:rPr lang="de-DE" smtClean="0"/>
-              <a:t>25.05.2018</a:t>
+              <a:t>28.05.2018</a:t>
             </a:fld>
             <a:endParaRPr lang="de-DE"/>
           </a:p>
@@ -18224,7 +18224,7 @@
           <a:p>
             <a:fld id="{6A47390F-6A90-4CE8-B67B-5010619FDD8C}" type="datetimeFigureOut">
               <a:rPr lang="de-DE" smtClean="0"/>
-              <a:t>25.05.2018</a:t>
+              <a:t>28.05.2018</a:t>
             </a:fld>
             <a:endParaRPr lang="de-DE"/>
           </a:p>
@@ -18394,7 +18394,7 @@
           <a:p>
             <a:fld id="{6A47390F-6A90-4CE8-B67B-5010619FDD8C}" type="datetimeFigureOut">
               <a:rPr lang="de-DE" smtClean="0"/>
-              <a:t>25.05.2018</a:t>
+              <a:t>28.05.2018</a:t>
             </a:fld>
             <a:endParaRPr lang="de-DE"/>
           </a:p>
@@ -18574,7 +18574,7 @@
           <a:p>
             <a:fld id="{6A47390F-6A90-4CE8-B67B-5010619FDD8C}" type="datetimeFigureOut">
               <a:rPr lang="de-DE" smtClean="0"/>
-              <a:t>25.05.2018</a:t>
+              <a:t>28.05.2018</a:t>
             </a:fld>
             <a:endParaRPr lang="de-DE"/>
           </a:p>
@@ -19357,7 +19357,7 @@
           <a:p>
             <a:fld id="{6A47390F-6A90-4CE8-B67B-5010619FDD8C}" type="datetimeFigureOut">
               <a:rPr lang="de-DE" smtClean="0"/>
-              <a:t>25.05.2018</a:t>
+              <a:t>28.05.2018</a:t>
             </a:fld>
             <a:endParaRPr lang="de-DE"/>
           </a:p>
@@ -19533,7 +19533,7 @@
           <a:p>
             <a:fld id="{6A47390F-6A90-4CE8-B67B-5010619FDD8C}" type="datetimeFigureOut">
               <a:rPr lang="de-DE" smtClean="0"/>
-              <a:t>25.05.2018</a:t>
+              <a:t>28.05.2018</a:t>
             </a:fld>
             <a:endParaRPr lang="de-DE"/>
           </a:p>
@@ -19780,7 +19780,7 @@
           <a:p>
             <a:fld id="{6A47390F-6A90-4CE8-B67B-5010619FDD8C}" type="datetimeFigureOut">
               <a:rPr lang="de-DE" smtClean="0"/>
-              <a:t>25.05.2018</a:t>
+              <a:t>28.05.2018</a:t>
             </a:fld>
             <a:endParaRPr lang="de-DE"/>
           </a:p>
@@ -20012,7 +20012,7 @@
           <a:p>
             <a:fld id="{6A47390F-6A90-4CE8-B67B-5010619FDD8C}" type="datetimeFigureOut">
               <a:rPr lang="de-DE" smtClean="0"/>
-              <a:t>25.05.2018</a:t>
+              <a:t>28.05.2018</a:t>
             </a:fld>
             <a:endParaRPr lang="de-DE"/>
           </a:p>
@@ -20386,7 +20386,7 @@
           <a:p>
             <a:fld id="{6A47390F-6A90-4CE8-B67B-5010619FDD8C}" type="datetimeFigureOut">
               <a:rPr lang="de-DE" smtClean="0"/>
-              <a:t>25.05.2018</a:t>
+              <a:t>28.05.2018</a:t>
             </a:fld>
             <a:endParaRPr lang="de-DE"/>
           </a:p>
@@ -20509,7 +20509,7 @@
           <a:p>
             <a:fld id="{6A47390F-6A90-4CE8-B67B-5010619FDD8C}" type="datetimeFigureOut">
               <a:rPr lang="de-DE" smtClean="0"/>
-              <a:t>25.05.2018</a:t>
+              <a:t>28.05.2018</a:t>
             </a:fld>
             <a:endParaRPr lang="de-DE"/>
           </a:p>
@@ -20604,7 +20604,7 @@
           <a:p>
             <a:fld id="{6A47390F-6A90-4CE8-B67B-5010619FDD8C}" type="datetimeFigureOut">
               <a:rPr lang="de-DE" smtClean="0"/>
-              <a:t>25.05.2018</a:t>
+              <a:t>28.05.2018</a:t>
             </a:fld>
             <a:endParaRPr lang="de-DE"/>
           </a:p>
@@ -20836,7 +20836,7 @@
           <a:p>
             <a:fld id="{6A47390F-6A90-4CE8-B67B-5010619FDD8C}" type="datetimeFigureOut">
               <a:rPr lang="de-DE" smtClean="0"/>
-              <a:t>25.05.2018</a:t>
+              <a:t>28.05.2018</a:t>
             </a:fld>
             <a:endParaRPr lang="de-DE"/>
           </a:p>
@@ -21091,7 +21091,7 @@
           <a:p>
             <a:fld id="{6A47390F-6A90-4CE8-B67B-5010619FDD8C}" type="datetimeFigureOut">
               <a:rPr lang="de-DE" smtClean="0"/>
-              <a:t>25.05.2018</a:t>
+              <a:t>28.05.2018</a:t>
             </a:fld>
             <a:endParaRPr lang="de-DE"/>
           </a:p>
@@ -21354,7 +21354,7 @@
           <a:p>
             <a:fld id="{6A47390F-6A90-4CE8-B67B-5010619FDD8C}" type="datetimeFigureOut">
               <a:rPr lang="de-DE" smtClean="0"/>
-              <a:t>25.05.2018</a:t>
+              <a:t>28.05.2018</a:t>
             </a:fld>
             <a:endParaRPr lang="de-DE"/>
           </a:p>
@@ -21605,7 +21605,7 @@
           <a:p>
             <a:fld id="{6A47390F-6A90-4CE8-B67B-5010619FDD8C}" type="datetimeFigureOut">
               <a:rPr lang="de-DE" smtClean="0"/>
-              <a:t>25.05.2018</a:t>
+              <a:t>28.05.2018</a:t>
             </a:fld>
             <a:endParaRPr lang="de-DE"/>
           </a:p>
@@ -21919,7 +21919,7 @@
           <a:p>
             <a:fld id="{6A47390F-6A90-4CE8-B67B-5010619FDD8C}" type="datetimeFigureOut">
               <a:rPr lang="de-DE" smtClean="0"/>
-              <a:t>25.05.2018</a:t>
+              <a:t>28.05.2018</a:t>
             </a:fld>
             <a:endParaRPr lang="de-DE"/>
           </a:p>
@@ -22260,7 +22260,7 @@
           <a:p>
             <a:fld id="{6A47390F-6A90-4CE8-B67B-5010619FDD8C}" type="datetimeFigureOut">
               <a:rPr lang="de-DE" smtClean="0"/>
-              <a:t>25.05.2018</a:t>
+              <a:t>28.05.2018</a:t>
             </a:fld>
             <a:endParaRPr lang="de-DE"/>
           </a:p>
@@ -22574,7 +22574,7 @@
           <a:p>
             <a:fld id="{6A47390F-6A90-4CE8-B67B-5010619FDD8C}" type="datetimeFigureOut">
               <a:rPr lang="de-DE" smtClean="0"/>
-              <a:t>25.05.2018</a:t>
+              <a:t>28.05.2018</a:t>
             </a:fld>
             <a:endParaRPr lang="de-DE"/>
           </a:p>
@@ -22967,7 +22967,7 @@
           <a:p>
             <a:fld id="{6A47390F-6A90-4CE8-B67B-5010619FDD8C}" type="datetimeFigureOut">
               <a:rPr lang="de-DE" smtClean="0"/>
-              <a:t>25.05.2018</a:t>
+              <a:t>28.05.2018</a:t>
             </a:fld>
             <a:endParaRPr lang="de-DE"/>
           </a:p>
@@ -23137,7 +23137,7 @@
           <a:p>
             <a:fld id="{6A47390F-6A90-4CE8-B67B-5010619FDD8C}" type="datetimeFigureOut">
               <a:rPr lang="de-DE" smtClean="0"/>
-              <a:t>25.05.2018</a:t>
+              <a:t>28.05.2018</a:t>
             </a:fld>
             <a:endParaRPr lang="de-DE"/>
           </a:p>
@@ -23317,7 +23317,7 @@
           <a:p>
             <a:fld id="{6A47390F-6A90-4CE8-B67B-5010619FDD8C}" type="datetimeFigureOut">
               <a:rPr lang="de-DE" smtClean="0"/>
-              <a:t>25.05.2018</a:t>
+              <a:t>28.05.2018</a:t>
             </a:fld>
             <a:endParaRPr lang="de-DE"/>
           </a:p>
@@ -23691,7 +23691,7 @@
           <a:p>
             <a:fld id="{6A47390F-6A90-4CE8-B67B-5010619FDD8C}" type="datetimeFigureOut">
               <a:rPr lang="de-DE" smtClean="0"/>
-              <a:t>25.05.2018</a:t>
+              <a:t>28.05.2018</a:t>
             </a:fld>
             <a:endParaRPr lang="de-DE"/>
           </a:p>
@@ -23814,7 +23814,7 @@
           <a:p>
             <a:fld id="{6A47390F-6A90-4CE8-B67B-5010619FDD8C}" type="datetimeFigureOut">
               <a:rPr lang="de-DE" smtClean="0"/>
-              <a:t>25.05.2018</a:t>
+              <a:t>28.05.2018</a:t>
             </a:fld>
             <a:endParaRPr lang="de-DE"/>
           </a:p>
@@ -23909,7 +23909,7 @@
           <a:p>
             <a:fld id="{6A47390F-6A90-4CE8-B67B-5010619FDD8C}" type="datetimeFigureOut">
               <a:rPr lang="de-DE" smtClean="0"/>
-              <a:t>25.05.2018</a:t>
+              <a:t>28.05.2018</a:t>
             </a:fld>
             <a:endParaRPr lang="de-DE"/>
           </a:p>
@@ -24164,7 +24164,7 @@
           <a:p>
             <a:fld id="{6A47390F-6A90-4CE8-B67B-5010619FDD8C}" type="datetimeFigureOut">
               <a:rPr lang="de-DE" smtClean="0"/>
-              <a:t>25.05.2018</a:t>
+              <a:t>28.05.2018</a:t>
             </a:fld>
             <a:endParaRPr lang="de-DE"/>
           </a:p>
@@ -24469,7 +24469,7 @@
           <a:p>
             <a:fld id="{6A47390F-6A90-4CE8-B67B-5010619FDD8C}" type="datetimeFigureOut">
               <a:rPr lang="de-DE" smtClean="0"/>
-              <a:t>25.05.2018</a:t>
+              <a:t>28.05.2018</a:t>
             </a:fld>
             <a:endParaRPr lang="de-DE"/>
           </a:p>
@@ -25171,7 +25171,7 @@
           <a:p>
             <a:fld id="{6A47390F-6A90-4CE8-B67B-5010619FDD8C}" type="datetimeFigureOut">
               <a:rPr lang="de-DE" smtClean="0"/>
-              <a:t>25.05.2018</a:t>
+              <a:t>28.05.2018</a:t>
             </a:fld>
             <a:endParaRPr lang="de-DE"/>
           </a:p>
@@ -26360,7 +26360,7 @@
           <a:p>
             <a:fld id="{6A47390F-6A90-4CE8-B67B-5010619FDD8C}" type="datetimeFigureOut">
               <a:rPr lang="de-DE" smtClean="0"/>
-              <a:t>25.05.2018</a:t>
+              <a:t>28.05.2018</a:t>
             </a:fld>
             <a:endParaRPr lang="de-DE"/>
           </a:p>
@@ -27549,7 +27549,7 @@
           <a:p>
             <a:fld id="{6A47390F-6A90-4CE8-B67B-5010619FDD8C}" type="datetimeFigureOut">
               <a:rPr lang="de-DE" smtClean="0"/>
-              <a:t>25.05.2018</a:t>
+              <a:t>28.05.2018</a:t>
             </a:fld>
             <a:endParaRPr lang="de-DE"/>
           </a:p>
